--- a/slides/S2_ggplot_0410.pptx
+++ b/slides/S2_ggplot_0410.pptx
@@ -188,11 +188,7 @@
 <file path=ppt/commentAuthors.xml><?xml version="1.0" encoding="utf-8"?>
 <p:cmAuthorLst xmlns:a="http://schemas.openxmlformats.org/drawingml/2006/main" xmlns:r="http://schemas.openxmlformats.org/officeDocument/2006/relationships" xmlns:p="http://schemas.openxmlformats.org/presentationml/2006/main">
   <p:cmAuthor id="1" name="Jin Yan" initials="JY" lastIdx="1" clrIdx="0">
-    <p:extLst>
-      <p:ext uri="{19B8F6BF-5375-455C-9EA6-DF929625EA0E}">
-        <p15:presenceInfo xmlns:p15="http://schemas.microsoft.com/office/powerpoint/2012/main" userId="adcc60d12dae6b3b" providerId="Windows Live"/>
-      </p:ext>
-    </p:extLst>
+    <p:extLst/>
   </p:cmAuthor>
 </p:cmAuthorLst>
 </file>
@@ -302,7 +298,7 @@
               <a:pPr>
                 <a:defRPr/>
               </a:pPr>
-              <a:t>2015/4/9</a:t>
+              <a:t>16/3/25</a:t>
             </a:fld>
             <a:endParaRPr lang="zh-CN" altLang="en-US"/>
           </a:p>
@@ -915,14 +911,14 @@
           </a:ln>
           <a:extLst>
             <a:ext uri="{909E8E84-426E-40dd-AFC4-6F175D3DCCD1}">
-              <a14:hiddenFill xmlns:a14="http://schemas.microsoft.com/office/drawing/2010/main" xmlns="">
+              <a14:hiddenFill xmlns="" xmlns:a14="http://schemas.microsoft.com/office/drawing/2010/main">
                 <a:solidFill>
                   <a:srgbClr val="FFFFFF"/>
                 </a:solidFill>
               </a14:hiddenFill>
             </a:ext>
             <a:ext uri="{91240B29-F687-4f45-9708-019B960494DF}">
-              <a14:hiddenLine xmlns:a14="http://schemas.microsoft.com/office/drawing/2010/main" xmlns="" w="9525">
+              <a14:hiddenLine xmlns="" xmlns:a14="http://schemas.microsoft.com/office/drawing/2010/main" w="9525">
                 <a:solidFill>
                   <a:srgbClr val="000000"/>
                 </a:solidFill>
@@ -1021,14 +1017,14 @@
           </a:ln>
           <a:extLst>
             <a:ext uri="{909E8E84-426E-40dd-AFC4-6F175D3DCCD1}">
-              <a14:hiddenFill xmlns:a14="http://schemas.microsoft.com/office/drawing/2010/main" xmlns="">
+              <a14:hiddenFill xmlns="" xmlns:a14="http://schemas.microsoft.com/office/drawing/2010/main">
                 <a:solidFill>
                   <a:srgbClr val="FFFFFF"/>
                 </a:solidFill>
               </a14:hiddenFill>
             </a:ext>
             <a:ext uri="{91240B29-F687-4f45-9708-019B960494DF}">
-              <a14:hiddenLine xmlns:a14="http://schemas.microsoft.com/office/drawing/2010/main" xmlns="" w="9525">
+              <a14:hiddenLine xmlns="" xmlns:a14="http://schemas.microsoft.com/office/drawing/2010/main" w="9525">
                 <a:solidFill>
                   <a:srgbClr val="000000"/>
                 </a:solidFill>
@@ -1229,7 +1225,7 @@
               <a:pPr>
                 <a:defRPr/>
               </a:pPr>
-              <a:t>4/9/2015</a:t>
+              <a:t>3/25/16</a:t>
             </a:fld>
             <a:endParaRPr lang="en-US" altLang="zh-CN"/>
           </a:p>
@@ -1444,7 +1440,7 @@
               <a:pPr>
                 <a:defRPr/>
               </a:pPr>
-              <a:t>4/9/2015</a:t>
+              <a:t>3/25/16</a:t>
             </a:fld>
             <a:endParaRPr lang="en-US" altLang="zh-CN"/>
           </a:p>
@@ -1651,7 +1647,7 @@
               <a:pPr>
                 <a:defRPr/>
               </a:pPr>
-              <a:t>4/9/2015</a:t>
+              <a:t>3/25/16</a:t>
             </a:fld>
             <a:endParaRPr lang="en-US" altLang="zh-CN"/>
           </a:p>
@@ -1889,14 +1885,14 @@
           </a:ln>
           <a:extLst>
             <a:ext uri="{909E8E84-426E-40dd-AFC4-6F175D3DCCD1}">
-              <a14:hiddenFill xmlns:a14="http://schemas.microsoft.com/office/drawing/2010/main" xmlns="">
+              <a14:hiddenFill xmlns="" xmlns:a14="http://schemas.microsoft.com/office/drawing/2010/main">
                 <a:solidFill>
                   <a:srgbClr val="FFFFFF"/>
                 </a:solidFill>
               </a14:hiddenFill>
             </a:ext>
             <a:ext uri="{91240B29-F687-4f45-9708-019B960494DF}">
-              <a14:hiddenLine xmlns:a14="http://schemas.microsoft.com/office/drawing/2010/main" xmlns="" w="9525">
+              <a14:hiddenLine xmlns="" xmlns:a14="http://schemas.microsoft.com/office/drawing/2010/main" w="9525">
                 <a:solidFill>
                   <a:srgbClr val="000000"/>
                 </a:solidFill>
@@ -2111,7 +2107,7 @@
               <a:pPr>
                 <a:defRPr/>
               </a:pPr>
-              <a:t>4/9/2015</a:t>
+              <a:t>3/25/16</a:t>
             </a:fld>
             <a:endParaRPr lang="en-US" altLang="zh-CN"/>
           </a:p>
@@ -2384,7 +2380,7 @@
               <a:pPr>
                 <a:defRPr/>
               </a:pPr>
-              <a:t>4/9/2015</a:t>
+              <a:t>3/25/16</a:t>
             </a:fld>
             <a:endParaRPr lang="en-US" altLang="zh-CN"/>
           </a:p>
@@ -2699,7 +2695,7 @@
               <a:pPr>
                 <a:defRPr/>
               </a:pPr>
-              <a:t>4/9/2015</a:t>
+              <a:t>3/25/16</a:t>
             </a:fld>
             <a:endParaRPr lang="en-US" altLang="zh-CN"/>
           </a:p>
@@ -3148,7 +3144,7 @@
               <a:pPr>
                 <a:defRPr/>
               </a:pPr>
-              <a:t>4/9/2015</a:t>
+              <a:t>3/25/16</a:t>
             </a:fld>
             <a:endParaRPr lang="en-US" altLang="zh-CN"/>
           </a:p>
@@ -3293,7 +3289,7 @@
               <a:pPr>
                 <a:defRPr/>
               </a:pPr>
-              <a:t>4/9/2015</a:t>
+              <a:t>3/25/16</a:t>
             </a:fld>
             <a:endParaRPr lang="en-US" altLang="zh-CN"/>
           </a:p>
@@ -3415,7 +3411,7 @@
               <a:pPr>
                 <a:defRPr/>
               </a:pPr>
-              <a:t>4/9/2015</a:t>
+              <a:t>3/25/16</a:t>
             </a:fld>
             <a:endParaRPr lang="en-US" altLang="zh-CN"/>
           </a:p>
@@ -3719,7 +3715,7 @@
               <a:pPr>
                 <a:defRPr/>
               </a:pPr>
-              <a:t>4/9/2015</a:t>
+              <a:t>3/25/16</a:t>
             </a:fld>
             <a:endParaRPr lang="en-US" altLang="zh-CN"/>
           </a:p>
@@ -4002,7 +3998,7 @@
               <a:pPr>
                 <a:defRPr/>
               </a:pPr>
-              <a:t>4/9/2015</a:t>
+              <a:t>3/25/16</a:t>
             </a:fld>
             <a:endParaRPr lang="en-US" altLang="zh-CN"/>
           </a:p>
@@ -4126,14 +4122,14 @@
           </a:ln>
           <a:extLst>
             <a:ext uri="{909E8E84-426E-40dd-AFC4-6F175D3DCCD1}">
-              <a14:hiddenFill xmlns:a14="http://schemas.microsoft.com/office/drawing/2010/main" xmlns="">
+              <a14:hiddenFill xmlns="" xmlns:a14="http://schemas.microsoft.com/office/drawing/2010/main">
                 <a:solidFill>
                   <a:srgbClr val="FFFFFF"/>
                 </a:solidFill>
               </a14:hiddenFill>
             </a:ext>
             <a:ext uri="{91240B29-F687-4f45-9708-019B960494DF}">
-              <a14:hiddenLine xmlns:a14="http://schemas.microsoft.com/office/drawing/2010/main" xmlns="" w="9525">
+              <a14:hiddenLine xmlns="" xmlns:a14="http://schemas.microsoft.com/office/drawing/2010/main" w="9525">
                 <a:solidFill>
                   <a:srgbClr val="000000"/>
                 </a:solidFill>
@@ -4184,14 +4180,14 @@
           </a:ln>
           <a:extLst>
             <a:ext uri="{909E8E84-426E-40dd-AFC4-6F175D3DCCD1}">
-              <a14:hiddenFill xmlns:a14="http://schemas.microsoft.com/office/drawing/2010/main" xmlns="">
+              <a14:hiddenFill xmlns="" xmlns:a14="http://schemas.microsoft.com/office/drawing/2010/main">
                 <a:solidFill>
                   <a:srgbClr val="FFFFFF"/>
                 </a:solidFill>
               </a14:hiddenFill>
             </a:ext>
             <a:ext uri="{91240B29-F687-4f45-9708-019B960494DF}">
-              <a14:hiddenLine xmlns:a14="http://schemas.microsoft.com/office/drawing/2010/main" xmlns="" w="9525">
+              <a14:hiddenLine xmlns="" xmlns:a14="http://schemas.microsoft.com/office/drawing/2010/main" w="9525">
                 <a:solidFill>
                   <a:srgbClr val="000000"/>
                 </a:solidFill>
@@ -4290,7 +4286,7 @@
               <a:pPr>
                 <a:defRPr/>
               </a:pPr>
-              <a:t>4/9/2015</a:t>
+              <a:t>3/25/16</a:t>
             </a:fld>
             <a:endParaRPr lang="en-US" altLang="zh-CN"/>
           </a:p>
@@ -4838,11 +4834,7 @@
           <a:p>
             <a:r>
               <a:rPr lang="en-US" dirty="0" smtClean="0"/>
-              <a:t>Session </a:t>
-            </a:r>
-            <a:r>
-              <a:rPr lang="en-US" dirty="0" smtClean="0"/>
-              <a:t>2: Continued Session after 1</a:t>
+              <a:t>Session 2: Continued Session after 1</a:t>
             </a:r>
             <a:r>
               <a:rPr lang="en-US" baseline="30000" dirty="0" smtClean="0"/>
@@ -4879,8 +4871,9 @@
           <a:p>
             <a:r>
               <a:rPr lang="en-US" dirty="0" smtClean="0"/>
-              <a:t>Yan Jin (yanjin@uw.edu)</a:t>
-            </a:r>
+              <a:t>Ning Li(ningli30@uw.edu)</a:t>
+            </a:r>
+            <a:endParaRPr lang="en-US" dirty="0" smtClean="0"/>
           </a:p>
           <a:p>
             <a:r>
@@ -5676,54 +5669,6 @@
             </a:pPr>
             <a:endParaRPr lang="en-US" sz="2000" dirty="0" smtClean="0"/>
           </a:p>
-          <a:p>
-            <a:pPr lvl="1"/>
-            <a:r>
-              <a:rPr lang="en-US" sz="2000" dirty="0" smtClean="0"/>
-              <a:t>Excel (.</a:t>
-            </a:r>
-            <a:r>
-              <a:rPr lang="en-US" sz="2000" dirty="0" err="1" smtClean="0"/>
-              <a:t>xls</a:t>
-            </a:r>
-            <a:r>
-              <a:rPr lang="en-US" sz="2000" dirty="0" smtClean="0"/>
-              <a:t>)</a:t>
-            </a:r>
-          </a:p>
-          <a:p>
-            <a:pPr marL="457200" lvl="1" indent="0">
-              <a:buNone/>
-            </a:pPr>
-            <a:endParaRPr lang="en-US" sz="2000" dirty="0" smtClean="0"/>
-          </a:p>
-          <a:p>
-            <a:pPr marL="457200" lvl="1" indent="0">
-              <a:buNone/>
-            </a:pPr>
-            <a:endParaRPr lang="en-US" sz="2000" dirty="0" smtClean="0"/>
-          </a:p>
-          <a:p>
-            <a:pPr lvl="1"/>
-            <a:r>
-              <a:rPr lang="en-US" sz="2000" dirty="0" smtClean="0"/>
-              <a:t>Minitab (.</a:t>
-            </a:r>
-            <a:r>
-              <a:rPr lang="en-US" sz="2000" dirty="0" err="1" smtClean="0"/>
-              <a:t>mtp</a:t>
-            </a:r>
-            <a:r>
-              <a:rPr lang="en-US" sz="2000" dirty="0" smtClean="0"/>
-              <a:t>)</a:t>
-            </a:r>
-          </a:p>
-          <a:p>
-            <a:pPr marL="457200" lvl="1" indent="0">
-              <a:buNone/>
-            </a:pPr>
-            <a:endParaRPr lang="en-US" sz="2000" dirty="0" smtClean="0"/>
-          </a:p>
         </p:txBody>
       </p:sp>
       <p:sp>
@@ -5781,7 +5726,7 @@
       </p:pic>
       <p:pic>
         <p:nvPicPr>
-          <p:cNvPr id="7" name="Picture 6"/>
+          <p:cNvPr id="9" name="Picture 8"/>
           <p:cNvPicPr>
             <a:picLocks noChangeAspect="1"/>
           </p:cNvPicPr>
@@ -5789,54 +5734,6 @@
         </p:nvPicPr>
         <p:blipFill>
           <a:blip r:embed="rId3"/>
-          <a:stretch>
-            <a:fillRect/>
-          </a:stretch>
-        </p:blipFill>
-        <p:spPr>
-          <a:xfrm>
-            <a:off x="1676400" y="3611237"/>
-            <a:ext cx="6010275" cy="609600"/>
-          </a:xfrm>
-          <a:prstGeom prst="rect">
-            <a:avLst/>
-          </a:prstGeom>
-        </p:spPr>
-      </p:pic>
-      <p:pic>
-        <p:nvPicPr>
-          <p:cNvPr id="8" name="Picture 7"/>
-          <p:cNvPicPr>
-            <a:picLocks noChangeAspect="1"/>
-          </p:cNvPicPr>
-          <p:nvPr/>
-        </p:nvPicPr>
-        <p:blipFill>
-          <a:blip r:embed="rId4"/>
-          <a:stretch>
-            <a:fillRect/>
-          </a:stretch>
-        </p:blipFill>
-        <p:spPr>
-          <a:xfrm>
-            <a:off x="1647824" y="4695481"/>
-            <a:ext cx="6067425" cy="590550"/>
-          </a:xfrm>
-          <a:prstGeom prst="rect">
-            <a:avLst/>
-          </a:prstGeom>
-        </p:spPr>
-      </p:pic>
-      <p:pic>
-        <p:nvPicPr>
-          <p:cNvPr id="9" name="Picture 8"/>
-          <p:cNvPicPr>
-            <a:picLocks noChangeAspect="1"/>
-          </p:cNvPicPr>
-          <p:nvPr/>
-        </p:nvPicPr>
-        <p:blipFill>
-          <a:blip r:embed="rId5"/>
           <a:stretch>
             <a:fillRect/>
           </a:stretch>
@@ -7154,13 +7051,11 @@
           <a:p>
             <a:r>
               <a:rPr lang="en-US" sz="2400" dirty="0" smtClean="0"/>
-              <a:t>Minitab session</a:t>
-            </a:r>
-          </a:p>
-          <a:p>
+              <a:t>Homework </a:t>
+            </a:r>
             <a:r>
               <a:rPr lang="en-US" sz="2400" dirty="0" smtClean="0"/>
-              <a:t>Homework solution II</a:t>
+              <a:t>solution II</a:t>
             </a:r>
           </a:p>
           <a:p>
@@ -8092,7 +7987,6 @@
               <a:rPr lang="en-US" dirty="0"/>
               <a:t>()</a:t>
             </a:r>
-            <a:endParaRPr lang="en-US" dirty="0"/>
           </a:p>
         </p:txBody>
       </p:sp>
@@ -8338,11 +8232,7 @@
           <a:p>
             <a:r>
               <a:rPr lang="en-US" sz="2400" dirty="0" smtClean="0"/>
-              <a:t>s</a:t>
-            </a:r>
-            <a:r>
-              <a:rPr lang="en-US" sz="2400" dirty="0" smtClean="0"/>
-              <a:t>cale: map data values into “computer” values</a:t>
+              <a:t>scale: map data values into “computer” values</a:t>
             </a:r>
           </a:p>
           <a:p>
@@ -11196,14 +11086,14 @@
           </a:ln>
           <a:extLst>
             <a:ext uri="{909E8E84-426E-40dd-AFC4-6F175D3DCCD1}">
-              <a14:hiddenFill xmlns:a14="http://schemas.microsoft.com/office/drawing/2010/main" xmlns="">
+              <a14:hiddenFill xmlns="" xmlns:a14="http://schemas.microsoft.com/office/drawing/2010/main">
                 <a:solidFill>
                   <a:srgbClr val="FFFFFF"/>
                 </a:solidFill>
               </a14:hiddenFill>
             </a:ext>
             <a:ext uri="{91240B29-F687-4f45-9708-019B960494DF}">
-              <a14:hiddenLine xmlns:a14="http://schemas.microsoft.com/office/drawing/2010/main" xmlns="" w="9525">
+              <a14:hiddenLine xmlns="" xmlns:a14="http://schemas.microsoft.com/office/drawing/2010/main" w="9525">
                 <a:solidFill>
                   <a:srgbClr val="000000"/>
                 </a:solidFill>
